--- a/files/CSE6305/CSE6305-L2.pptx
+++ b/files/CSE6305/CSE6305-L2.pptx
@@ -252,7 +252,7 @@
           <a:p>
             <a:fld id="{F5061F25-4B66-754F-AEA4-AB77802BF224}" type="datetimeFigureOut">
               <a:rPr lang="en-US" smtClean="0"/>
-              <a:t>6/25/2019</a:t>
+              <a:t>7/9/19</a:t>
             </a:fld>
             <a:endParaRPr lang="en-US"/>
           </a:p>
@@ -1009,7 +1009,7 @@
           <a:p>
             <a:fld id="{C9861032-C824-4747-B01A-1C5A3A879473}" type="datetime1">
               <a:rPr lang="en-US" smtClean="0"/>
-              <a:t>6/25/2019</a:t>
+              <a:t>7/9/19</a:t>
             </a:fld>
             <a:endParaRPr lang="en-US"/>
           </a:p>
@@ -1177,7 +1177,7 @@
           <a:p>
             <a:fld id="{AB2ADC2F-3BF5-4177-B1E0-2029A13F3274}" type="datetime1">
               <a:rPr lang="en-US" smtClean="0"/>
-              <a:t>6/25/2019</a:t>
+              <a:t>7/9/19</a:t>
             </a:fld>
             <a:endParaRPr lang="en-US"/>
           </a:p>
@@ -1355,7 +1355,7 @@
           <a:p>
             <a:fld id="{165D5E57-9A5D-4C33-B89A-AFA22A3CFF96}" type="datetime1">
               <a:rPr lang="en-US" smtClean="0"/>
-              <a:t>6/25/2019</a:t>
+              <a:t>7/9/19</a:t>
             </a:fld>
             <a:endParaRPr lang="en-US"/>
           </a:p>
@@ -1523,7 +1523,7 @@
           <a:p>
             <a:fld id="{46BD571B-53CE-4A84-9706-4341FB0A48D3}" type="datetime1">
               <a:rPr lang="en-US" smtClean="0"/>
-              <a:t>6/25/2019</a:t>
+              <a:t>7/9/19</a:t>
             </a:fld>
             <a:endParaRPr lang="en-US"/>
           </a:p>
@@ -1768,7 +1768,7 @@
           <a:p>
             <a:fld id="{FA8D8F8E-7960-465D-A35E-1296E7EBAB59}" type="datetime1">
               <a:rPr lang="en-US" smtClean="0"/>
-              <a:t>6/25/2019</a:t>
+              <a:t>7/9/19</a:t>
             </a:fld>
             <a:endParaRPr lang="en-US"/>
           </a:p>
@@ -2053,7 +2053,7 @@
           <a:p>
             <a:fld id="{14F5DBD6-7CE1-4BDF-89AB-ABCED37C467D}" type="datetime1">
               <a:rPr lang="en-US" smtClean="0"/>
-              <a:t>6/25/2019</a:t>
+              <a:t>7/9/19</a:t>
             </a:fld>
             <a:endParaRPr lang="en-US"/>
           </a:p>
@@ -2472,7 +2472,7 @@
           <a:p>
             <a:fld id="{16E1AEAC-6144-4E5B-9DD4-C9D3CD69B138}" type="datetime1">
               <a:rPr lang="en-US" smtClean="0"/>
-              <a:t>6/25/2019</a:t>
+              <a:t>7/9/19</a:t>
             </a:fld>
             <a:endParaRPr lang="en-US"/>
           </a:p>
@@ -2589,7 +2589,7 @@
           <a:p>
             <a:fld id="{C63961C1-9E08-4678-BE24-7DE2D5F5E94E}" type="datetime1">
               <a:rPr lang="en-US" smtClean="0"/>
-              <a:t>6/25/2019</a:t>
+              <a:t>7/9/19</a:t>
             </a:fld>
             <a:endParaRPr lang="en-US"/>
           </a:p>
@@ -2684,7 +2684,7 @@
           <a:p>
             <a:fld id="{5C59B9BB-55D8-413E-A93C-BBB2DD16824A}" type="datetime1">
               <a:rPr lang="en-US" smtClean="0"/>
-              <a:t>6/25/2019</a:t>
+              <a:t>7/9/19</a:t>
             </a:fld>
             <a:endParaRPr lang="en-US"/>
           </a:p>
@@ -2959,7 +2959,7 @@
           <a:p>
             <a:fld id="{993694C5-4E0E-477C-B361-FABD922CEAE4}" type="datetime1">
               <a:rPr lang="en-US" smtClean="0"/>
-              <a:t>6/25/2019</a:t>
+              <a:t>7/9/19</a:t>
             </a:fld>
             <a:endParaRPr lang="en-US"/>
           </a:p>
@@ -3211,7 +3211,7 @@
           <a:p>
             <a:fld id="{BA75C1AC-0CBB-4A00-ADD3-B1702624491B}" type="datetime1">
               <a:rPr lang="en-US" smtClean="0"/>
-              <a:t>6/25/2019</a:t>
+              <a:t>7/9/19</a:t>
             </a:fld>
             <a:endParaRPr lang="en-US"/>
           </a:p>
@@ -3422,7 +3422,7 @@
           <a:p>
             <a:fld id="{DF5D21FD-0A95-48FD-AF14-5B17D7494D58}" type="datetime1">
               <a:rPr lang="en-US" smtClean="0"/>
-              <a:t>6/25/2019</a:t>
+              <a:t>7/9/19</a:t>
             </a:fld>
             <a:endParaRPr lang="en-US"/>
           </a:p>
@@ -3810,11 +3810,13 @@
         </p:nvSpPr>
         <p:spPr/>
         <p:txBody>
-          <a:bodyPr/>
-          <a:lstStyle/>
-          <a:p>
-            <a:r>
-              <a:rPr lang="en-US" b="1" i="1" dirty="0"/>
+          <a:bodyPr>
+            <a:normAutofit/>
+          </a:bodyPr>
+          <a:lstStyle/>
+          <a:p>
+            <a:r>
+              <a:rPr lang="en-US" sz="4800" b="1" i="1" dirty="0"/>
               <a:t>Just In Time Compilation</a:t>
             </a:r>
           </a:p>
@@ -3842,23 +3844,12 @@
           </a:bodyPr>
           <a:lstStyle/>
           <a:p>
-            <a:br>
-              <a:rPr lang="en-US" sz="2800" b="1" dirty="0">
-                <a:solidFill>
-                  <a:schemeClr val="tx1"/>
-                </a:solidFill>
-                <a:latin typeface="+mj-lt"/>
-              </a:rPr>
-            </a:br>
-            <a:r>
-              <a:rPr lang="en-US" sz="2800" b="1" dirty="0">
-                <a:solidFill>
-                  <a:schemeClr val="tx1"/>
-                </a:solidFill>
-                <a:latin typeface="+mj-lt"/>
-              </a:rPr>
-              <a:t>CSE 6305: Programming Languages and Systems</a:t>
-            </a:r>
+            <a:endParaRPr lang="en-US" sz="2800" b="1" dirty="0">
+              <a:solidFill>
+                <a:schemeClr val="tx1"/>
+              </a:solidFill>
+              <a:latin typeface="+mj-lt"/>
+            </a:endParaRPr>
           </a:p>
         </p:txBody>
       </p:sp>
@@ -4001,7 +3992,7 @@
           <p:cNvPr id="4" name="Slide Number Placeholder 3">
             <a:extLst>
               <a:ext uri="{FF2B5EF4-FFF2-40B4-BE49-F238E27FC236}">
-                <a16:creationId xmlns:a16="http://schemas.microsoft.com/office/drawing/2014/main" id="{36878A22-95FB-4F2D-B990-55B942B3A9CE}"/>
+                <a16:creationId xmlns:a16="http://schemas.microsoft.com/office/drawing/2014/main" xmlns="" id="{36878A22-95FB-4F2D-B990-55B942B3A9CE}"/>
               </a:ext>
             </a:extLst>
           </p:cNvPr>
@@ -4060,7 +4051,7 @@
           <p:cNvPr id="2" name="Title 1">
             <a:extLst>
               <a:ext uri="{FF2B5EF4-FFF2-40B4-BE49-F238E27FC236}">
-                <a16:creationId xmlns:a16="http://schemas.microsoft.com/office/drawing/2014/main" id="{5D38CD4B-5C4B-4161-846D-9D0E14824D22}"/>
+                <a16:creationId xmlns:a16="http://schemas.microsoft.com/office/drawing/2014/main" xmlns="" id="{5D38CD4B-5C4B-4161-846D-9D0E14824D22}"/>
               </a:ext>
             </a:extLst>
           </p:cNvPr>
@@ -4088,7 +4079,7 @@
           <p:cNvPr id="4" name="Picture 3">
             <a:extLst>
               <a:ext uri="{FF2B5EF4-FFF2-40B4-BE49-F238E27FC236}">
-                <a16:creationId xmlns:a16="http://schemas.microsoft.com/office/drawing/2014/main" id="{CBEA6619-7433-4D8D-9E64-FD6F9DDE73A0}"/>
+                <a16:creationId xmlns:a16="http://schemas.microsoft.com/office/drawing/2014/main" xmlns="" id="{CBEA6619-7433-4D8D-9E64-FD6F9DDE73A0}"/>
               </a:ext>
             </a:extLst>
           </p:cNvPr>
@@ -4118,7 +4109,7 @@
           <p:cNvPr id="3" name="Slide Number Placeholder 2">
             <a:extLst>
               <a:ext uri="{FF2B5EF4-FFF2-40B4-BE49-F238E27FC236}">
-                <a16:creationId xmlns:a16="http://schemas.microsoft.com/office/drawing/2014/main" id="{6A4D3A8E-9421-4FB2-A277-8E700AFB0915}"/>
+                <a16:creationId xmlns:a16="http://schemas.microsoft.com/office/drawing/2014/main" xmlns="" id="{6A4D3A8E-9421-4FB2-A277-8E700AFB0915}"/>
               </a:ext>
             </a:extLst>
           </p:cNvPr>
@@ -4252,7 +4243,7 @@
           <p:cNvPr id="4" name="Slide Number Placeholder 3">
             <a:extLst>
               <a:ext uri="{FF2B5EF4-FFF2-40B4-BE49-F238E27FC236}">
-                <a16:creationId xmlns:a16="http://schemas.microsoft.com/office/drawing/2014/main" id="{DAE6DFDF-45A3-4AEA-B018-376E7EC09D12}"/>
+                <a16:creationId xmlns:a16="http://schemas.microsoft.com/office/drawing/2014/main" xmlns="" id="{DAE6DFDF-45A3-4AEA-B018-376E7EC09D12}"/>
               </a:ext>
             </a:extLst>
           </p:cNvPr>
@@ -4311,7 +4302,7 @@
           <p:cNvPr id="2" name="Title 1">
             <a:extLst>
               <a:ext uri="{FF2B5EF4-FFF2-40B4-BE49-F238E27FC236}">
-                <a16:creationId xmlns:a16="http://schemas.microsoft.com/office/drawing/2014/main" id="{C563C4AB-9F2C-4118-A4D2-1B74F20592DA}"/>
+                <a16:creationId xmlns:a16="http://schemas.microsoft.com/office/drawing/2014/main" xmlns="" id="{C563C4AB-9F2C-4118-A4D2-1B74F20592DA}"/>
               </a:ext>
             </a:extLst>
           </p:cNvPr>
@@ -4339,7 +4330,7 @@
           <p:cNvPr id="4" name="Picture 3">
             <a:extLst>
               <a:ext uri="{FF2B5EF4-FFF2-40B4-BE49-F238E27FC236}">
-                <a16:creationId xmlns:a16="http://schemas.microsoft.com/office/drawing/2014/main" id="{DA755945-DD09-4339-96B8-9D4D16DDAB6E}"/>
+                <a16:creationId xmlns:a16="http://schemas.microsoft.com/office/drawing/2014/main" xmlns="" id="{DA755945-DD09-4339-96B8-9D4D16DDAB6E}"/>
               </a:ext>
             </a:extLst>
           </p:cNvPr>
@@ -4369,7 +4360,7 @@
           <p:cNvPr id="3" name="Slide Number Placeholder 2">
             <a:extLst>
               <a:ext uri="{FF2B5EF4-FFF2-40B4-BE49-F238E27FC236}">
-                <a16:creationId xmlns:a16="http://schemas.microsoft.com/office/drawing/2014/main" id="{44FBC152-E02B-417D-8B84-0C0D41CF51B3}"/>
+                <a16:creationId xmlns:a16="http://schemas.microsoft.com/office/drawing/2014/main" xmlns="" id="{44FBC152-E02B-417D-8B84-0C0D41CF51B3}"/>
               </a:ext>
             </a:extLst>
           </p:cNvPr>
@@ -4428,7 +4419,7 @@
           <p:cNvPr id="2" name="Title 1">
             <a:extLst>
               <a:ext uri="{FF2B5EF4-FFF2-40B4-BE49-F238E27FC236}">
-                <a16:creationId xmlns:a16="http://schemas.microsoft.com/office/drawing/2014/main" id="{6F391151-CAF1-42C4-88F3-B5CEA3DE4FF9}"/>
+                <a16:creationId xmlns:a16="http://schemas.microsoft.com/office/drawing/2014/main" xmlns="" id="{6F391151-CAF1-42C4-88F3-B5CEA3DE4FF9}"/>
               </a:ext>
             </a:extLst>
           </p:cNvPr>
@@ -4456,7 +4447,7 @@
           <p:cNvPr id="4" name="Picture 3">
             <a:extLst>
               <a:ext uri="{FF2B5EF4-FFF2-40B4-BE49-F238E27FC236}">
-                <a16:creationId xmlns:a16="http://schemas.microsoft.com/office/drawing/2014/main" id="{B25F80CB-4F01-44AD-9699-F3AC56EE4688}"/>
+                <a16:creationId xmlns:a16="http://schemas.microsoft.com/office/drawing/2014/main" xmlns="" id="{B25F80CB-4F01-44AD-9699-F3AC56EE4688}"/>
               </a:ext>
             </a:extLst>
           </p:cNvPr>
@@ -4486,7 +4477,7 @@
           <p:cNvPr id="3" name="Slide Number Placeholder 2">
             <a:extLst>
               <a:ext uri="{FF2B5EF4-FFF2-40B4-BE49-F238E27FC236}">
-                <a16:creationId xmlns:a16="http://schemas.microsoft.com/office/drawing/2014/main" id="{9649BC31-2D0D-45E6-97CA-C3B38229C5D4}"/>
+                <a16:creationId xmlns:a16="http://schemas.microsoft.com/office/drawing/2014/main" xmlns="" id="{9649BC31-2D0D-45E6-97CA-C3B38229C5D4}"/>
               </a:ext>
             </a:extLst>
           </p:cNvPr>
@@ -4617,7 +4608,7 @@
           <p:cNvPr id="4" name="Slide Number Placeholder 3">
             <a:extLst>
               <a:ext uri="{FF2B5EF4-FFF2-40B4-BE49-F238E27FC236}">
-                <a16:creationId xmlns:a16="http://schemas.microsoft.com/office/drawing/2014/main" id="{4DF705AA-145F-49FD-81F6-B9AE23B95BDF}"/>
+                <a16:creationId xmlns:a16="http://schemas.microsoft.com/office/drawing/2014/main" xmlns="" id="{4DF705AA-145F-49FD-81F6-B9AE23B95BDF}"/>
               </a:ext>
             </a:extLst>
           </p:cNvPr>
@@ -4740,7 +4731,7 @@
           <p:cNvPr id="4" name="Slide Number Placeholder 3">
             <a:extLst>
               <a:ext uri="{FF2B5EF4-FFF2-40B4-BE49-F238E27FC236}">
-                <a16:creationId xmlns:a16="http://schemas.microsoft.com/office/drawing/2014/main" id="{0007C49B-FBF5-41BF-A612-9B2222C0D9C4}"/>
+                <a16:creationId xmlns:a16="http://schemas.microsoft.com/office/drawing/2014/main" xmlns="" id="{0007C49B-FBF5-41BF-A612-9B2222C0D9C4}"/>
               </a:ext>
             </a:extLst>
           </p:cNvPr>
@@ -4880,7 +4871,7 @@
           <p:cNvPr id="4" name="Slide Number Placeholder 3">
             <a:extLst>
               <a:ext uri="{FF2B5EF4-FFF2-40B4-BE49-F238E27FC236}">
-                <a16:creationId xmlns:a16="http://schemas.microsoft.com/office/drawing/2014/main" id="{77265E09-C1DE-4AD5-B1C1-7C955CC1EF86}"/>
+                <a16:creationId xmlns:a16="http://schemas.microsoft.com/office/drawing/2014/main" xmlns="" id="{77265E09-C1DE-4AD5-B1C1-7C955CC1EF86}"/>
               </a:ext>
             </a:extLst>
           </p:cNvPr>
@@ -5012,7 +5003,7 @@
           <p:cNvPr id="4" name="Slide Number Placeholder 3">
             <a:extLst>
               <a:ext uri="{FF2B5EF4-FFF2-40B4-BE49-F238E27FC236}">
-                <a16:creationId xmlns:a16="http://schemas.microsoft.com/office/drawing/2014/main" id="{949D31BC-12D4-4B91-A019-84FBB29C6DD4}"/>
+                <a16:creationId xmlns:a16="http://schemas.microsoft.com/office/drawing/2014/main" xmlns="" id="{949D31BC-12D4-4B91-A019-84FBB29C6DD4}"/>
               </a:ext>
             </a:extLst>
           </p:cNvPr>
@@ -5175,7 +5166,7 @@
           <p:cNvPr id="4" name="Slide Number Placeholder 3">
             <a:extLst>
               <a:ext uri="{FF2B5EF4-FFF2-40B4-BE49-F238E27FC236}">
-                <a16:creationId xmlns:a16="http://schemas.microsoft.com/office/drawing/2014/main" id="{271E6CFC-BA54-4410-A599-88355FF519C6}"/>
+                <a16:creationId xmlns:a16="http://schemas.microsoft.com/office/drawing/2014/main" xmlns="" id="{271E6CFC-BA54-4410-A599-88355FF519C6}"/>
               </a:ext>
             </a:extLst>
           </p:cNvPr>
@@ -5292,7 +5283,7 @@
           <p:cNvPr id="4" name="Slide Number Placeholder 3">
             <a:extLst>
               <a:ext uri="{FF2B5EF4-FFF2-40B4-BE49-F238E27FC236}">
-                <a16:creationId xmlns:a16="http://schemas.microsoft.com/office/drawing/2014/main" id="{B72DDEEA-8F92-4074-BA23-33EB665C45DA}"/>
+                <a16:creationId xmlns:a16="http://schemas.microsoft.com/office/drawing/2014/main" xmlns="" id="{B72DDEEA-8F92-4074-BA23-33EB665C45DA}"/>
               </a:ext>
             </a:extLst>
           </p:cNvPr>
@@ -5432,7 +5423,7 @@
           <p:cNvPr id="4" name="Slide Number Placeholder 3">
             <a:extLst>
               <a:ext uri="{FF2B5EF4-FFF2-40B4-BE49-F238E27FC236}">
-                <a16:creationId xmlns:a16="http://schemas.microsoft.com/office/drawing/2014/main" id="{641A922B-C8A9-4C5C-B711-0DBADC025833}"/>
+                <a16:creationId xmlns:a16="http://schemas.microsoft.com/office/drawing/2014/main" xmlns="" id="{641A922B-C8A9-4C5C-B711-0DBADC025833}"/>
               </a:ext>
             </a:extLst>
           </p:cNvPr>
@@ -5572,7 +5563,7 @@
           <p:cNvPr id="4" name="Slide Number Placeholder 3">
             <a:extLst>
               <a:ext uri="{FF2B5EF4-FFF2-40B4-BE49-F238E27FC236}">
-                <a16:creationId xmlns:a16="http://schemas.microsoft.com/office/drawing/2014/main" id="{0EA2310F-5239-4739-B422-8E2CC383B229}"/>
+                <a16:creationId xmlns:a16="http://schemas.microsoft.com/office/drawing/2014/main" xmlns="" id="{0EA2310F-5239-4739-B422-8E2CC383B229}"/>
               </a:ext>
             </a:extLst>
           </p:cNvPr>
@@ -5735,7 +5726,7 @@
           <p:cNvPr id="4" name="Slide Number Placeholder 3">
             <a:extLst>
               <a:ext uri="{FF2B5EF4-FFF2-40B4-BE49-F238E27FC236}">
-                <a16:creationId xmlns:a16="http://schemas.microsoft.com/office/drawing/2014/main" id="{3ADBEDF0-5EE2-4B5A-A9C5-7BD959BCB68C}"/>
+                <a16:creationId xmlns:a16="http://schemas.microsoft.com/office/drawing/2014/main" xmlns="" id="{3ADBEDF0-5EE2-4B5A-A9C5-7BD959BCB68C}"/>
               </a:ext>
             </a:extLst>
           </p:cNvPr>
@@ -5866,7 +5857,7 @@
           <p:cNvPr id="4" name="Slide Number Placeholder 3">
             <a:extLst>
               <a:ext uri="{FF2B5EF4-FFF2-40B4-BE49-F238E27FC236}">
-                <a16:creationId xmlns:a16="http://schemas.microsoft.com/office/drawing/2014/main" id="{3145CE1F-16AA-4E83-ABCD-A00838D5FC7D}"/>
+                <a16:creationId xmlns:a16="http://schemas.microsoft.com/office/drawing/2014/main" xmlns="" id="{3145CE1F-16AA-4E83-ABCD-A00838D5FC7D}"/>
               </a:ext>
             </a:extLst>
           </p:cNvPr>
@@ -6002,7 +5993,7 @@
           <p:cNvPr id="4" name="Slide Number Placeholder 3">
             <a:extLst>
               <a:ext uri="{FF2B5EF4-FFF2-40B4-BE49-F238E27FC236}">
-                <a16:creationId xmlns:a16="http://schemas.microsoft.com/office/drawing/2014/main" id="{1D99E63B-7FC8-45C4-85A7-34DADAB0A1EF}"/>
+                <a16:creationId xmlns:a16="http://schemas.microsoft.com/office/drawing/2014/main" xmlns="" id="{1D99E63B-7FC8-45C4-85A7-34DADAB0A1EF}"/>
               </a:ext>
             </a:extLst>
           </p:cNvPr>
@@ -6157,7 +6148,7 @@
           <p:cNvPr id="4" name="Slide Number Placeholder 3">
             <a:extLst>
               <a:ext uri="{FF2B5EF4-FFF2-40B4-BE49-F238E27FC236}">
-                <a16:creationId xmlns:a16="http://schemas.microsoft.com/office/drawing/2014/main" id="{0EB1BF74-455A-4469-A490-34A5956D1E34}"/>
+                <a16:creationId xmlns:a16="http://schemas.microsoft.com/office/drawing/2014/main" xmlns="" id="{0EB1BF74-455A-4469-A490-34A5956D1E34}"/>
               </a:ext>
             </a:extLst>
           </p:cNvPr>
@@ -6286,7 +6277,7 @@
           <p:cNvPr id="4" name="Slide Number Placeholder 3">
             <a:extLst>
               <a:ext uri="{FF2B5EF4-FFF2-40B4-BE49-F238E27FC236}">
-                <a16:creationId xmlns:a16="http://schemas.microsoft.com/office/drawing/2014/main" id="{97BE366F-ED87-45FA-B5D3-4E6811A4493A}"/>
+                <a16:creationId xmlns:a16="http://schemas.microsoft.com/office/drawing/2014/main" xmlns="" id="{97BE366F-ED87-45FA-B5D3-4E6811A4493A}"/>
               </a:ext>
             </a:extLst>
           </p:cNvPr>
@@ -6449,7 +6440,7 @@
           <p:cNvPr id="4" name="Slide Number Placeholder 3">
             <a:extLst>
               <a:ext uri="{FF2B5EF4-FFF2-40B4-BE49-F238E27FC236}">
-                <a16:creationId xmlns:a16="http://schemas.microsoft.com/office/drawing/2014/main" id="{A3A2C1A1-42D8-4DF6-8AA1-E01C76B5917A}"/>
+                <a16:creationId xmlns:a16="http://schemas.microsoft.com/office/drawing/2014/main" xmlns="" id="{A3A2C1A1-42D8-4DF6-8AA1-E01C76B5917A}"/>
               </a:ext>
             </a:extLst>
           </p:cNvPr>
@@ -6562,7 +6553,7 @@
           <p:cNvPr id="3" name="Slide Number Placeholder 2">
             <a:extLst>
               <a:ext uri="{FF2B5EF4-FFF2-40B4-BE49-F238E27FC236}">
-                <a16:creationId xmlns:a16="http://schemas.microsoft.com/office/drawing/2014/main" id="{2BE21B1A-3FF5-4CA1-89D6-A618B2474A6A}"/>
+                <a16:creationId xmlns:a16="http://schemas.microsoft.com/office/drawing/2014/main" xmlns="" id="{2BE21B1A-3FF5-4CA1-89D6-A618B2474A6A}"/>
               </a:ext>
             </a:extLst>
           </p:cNvPr>
@@ -6675,7 +6666,7 @@
           <p:cNvPr id="3" name="Slide Number Placeholder 2">
             <a:extLst>
               <a:ext uri="{FF2B5EF4-FFF2-40B4-BE49-F238E27FC236}">
-                <a16:creationId xmlns:a16="http://schemas.microsoft.com/office/drawing/2014/main" id="{193E299F-5A69-439D-AD43-A3B41EEDEAF9}"/>
+                <a16:creationId xmlns:a16="http://schemas.microsoft.com/office/drawing/2014/main" xmlns="" id="{193E299F-5A69-439D-AD43-A3B41EEDEAF9}"/>
               </a:ext>
             </a:extLst>
           </p:cNvPr>
@@ -6810,7 +6801,7 @@
           <p:cNvPr id="4" name="Slide Number Placeholder 3">
             <a:extLst>
               <a:ext uri="{FF2B5EF4-FFF2-40B4-BE49-F238E27FC236}">
-                <a16:creationId xmlns:a16="http://schemas.microsoft.com/office/drawing/2014/main" id="{26D6D7DF-A153-4FEE-80C8-04898F875D3F}"/>
+                <a16:creationId xmlns:a16="http://schemas.microsoft.com/office/drawing/2014/main" xmlns="" id="{26D6D7DF-A153-4FEE-80C8-04898F875D3F}"/>
               </a:ext>
             </a:extLst>
           </p:cNvPr>
@@ -6923,7 +6914,7 @@
           <p:cNvPr id="3" name="Slide Number Placeholder 2">
             <a:extLst>
               <a:ext uri="{FF2B5EF4-FFF2-40B4-BE49-F238E27FC236}">
-                <a16:creationId xmlns:a16="http://schemas.microsoft.com/office/drawing/2014/main" id="{87EBB295-703D-40B0-8A90-02FEBE16D0D5}"/>
+                <a16:creationId xmlns:a16="http://schemas.microsoft.com/office/drawing/2014/main" xmlns="" id="{87EBB295-703D-40B0-8A90-02FEBE16D0D5}"/>
               </a:ext>
             </a:extLst>
           </p:cNvPr>
@@ -7062,7 +7053,7 @@
           <p:cNvPr id="4" name="Slide Number Placeholder 3">
             <a:extLst>
               <a:ext uri="{FF2B5EF4-FFF2-40B4-BE49-F238E27FC236}">
-                <a16:creationId xmlns:a16="http://schemas.microsoft.com/office/drawing/2014/main" id="{83FB2D04-830D-44EA-ABB9-332A4C9FAA27}"/>
+                <a16:creationId xmlns:a16="http://schemas.microsoft.com/office/drawing/2014/main" xmlns="" id="{83FB2D04-830D-44EA-ABB9-332A4C9FAA27}"/>
               </a:ext>
             </a:extLst>
           </p:cNvPr>
@@ -7200,7 +7191,7 @@
           <p:cNvPr id="4" name="Slide Number Placeholder 3">
             <a:extLst>
               <a:ext uri="{FF2B5EF4-FFF2-40B4-BE49-F238E27FC236}">
-                <a16:creationId xmlns:a16="http://schemas.microsoft.com/office/drawing/2014/main" id="{EA01B400-5218-44AA-AC69-FF4E4E366E59}"/>
+                <a16:creationId xmlns:a16="http://schemas.microsoft.com/office/drawing/2014/main" xmlns="" id="{EA01B400-5218-44AA-AC69-FF4E4E366E59}"/>
               </a:ext>
             </a:extLst>
           </p:cNvPr>
@@ -7317,7 +7308,7 @@
           <p:cNvPr id="4" name="Slide Number Placeholder 3">
             <a:extLst>
               <a:ext uri="{FF2B5EF4-FFF2-40B4-BE49-F238E27FC236}">
-                <a16:creationId xmlns:a16="http://schemas.microsoft.com/office/drawing/2014/main" id="{5BA0CC69-1355-42EF-845A-6CC013E5762B}"/>
+                <a16:creationId xmlns:a16="http://schemas.microsoft.com/office/drawing/2014/main" xmlns="" id="{5BA0CC69-1355-42EF-845A-6CC013E5762B}"/>
               </a:ext>
             </a:extLst>
           </p:cNvPr>
@@ -7428,7 +7419,7 @@
           <p:cNvPr id="3" name="Slide Number Placeholder 2">
             <a:extLst>
               <a:ext uri="{FF2B5EF4-FFF2-40B4-BE49-F238E27FC236}">
-                <a16:creationId xmlns:a16="http://schemas.microsoft.com/office/drawing/2014/main" id="{CCD0AEF3-C398-4037-8433-B19846B13022}"/>
+                <a16:creationId xmlns:a16="http://schemas.microsoft.com/office/drawing/2014/main" xmlns="" id="{CCD0AEF3-C398-4037-8433-B19846B13022}"/>
               </a:ext>
             </a:extLst>
           </p:cNvPr>
@@ -7587,7 +7578,7 @@
           <p:cNvPr id="4" name="Slide Number Placeholder 3">
             <a:extLst>
               <a:ext uri="{FF2B5EF4-FFF2-40B4-BE49-F238E27FC236}">
-                <a16:creationId xmlns:a16="http://schemas.microsoft.com/office/drawing/2014/main" id="{1F25ADD7-3496-4202-B6AC-DFF0038D48DC}"/>
+                <a16:creationId xmlns:a16="http://schemas.microsoft.com/office/drawing/2014/main" xmlns="" id="{1F25ADD7-3496-4202-B6AC-DFF0038D48DC}"/>
               </a:ext>
             </a:extLst>
           </p:cNvPr>
@@ -7772,7 +7763,7 @@
           <p:cNvPr id="4" name="Slide Number Placeholder 3">
             <a:extLst>
               <a:ext uri="{FF2B5EF4-FFF2-40B4-BE49-F238E27FC236}">
-                <a16:creationId xmlns:a16="http://schemas.microsoft.com/office/drawing/2014/main" id="{C2C2E2F7-E85C-41B9-AF97-BAADD877A216}"/>
+                <a16:creationId xmlns:a16="http://schemas.microsoft.com/office/drawing/2014/main" xmlns="" id="{C2C2E2F7-E85C-41B9-AF97-BAADD877A216}"/>
               </a:ext>
             </a:extLst>
           </p:cNvPr>
@@ -7945,7 +7936,7 @@
           <p:cNvPr id="4" name="Slide Number Placeholder 3">
             <a:extLst>
               <a:ext uri="{FF2B5EF4-FFF2-40B4-BE49-F238E27FC236}">
-                <a16:creationId xmlns:a16="http://schemas.microsoft.com/office/drawing/2014/main" id="{07D1E416-5174-457A-AFDC-602D6E00C88A}"/>
+                <a16:creationId xmlns:a16="http://schemas.microsoft.com/office/drawing/2014/main" xmlns="" id="{07D1E416-5174-457A-AFDC-602D6E00C88A}"/>
               </a:ext>
             </a:extLst>
           </p:cNvPr>
@@ -8130,7 +8121,7 @@
           <p:cNvPr id="4" name="Slide Number Placeholder 3">
             <a:extLst>
               <a:ext uri="{FF2B5EF4-FFF2-40B4-BE49-F238E27FC236}">
-                <a16:creationId xmlns:a16="http://schemas.microsoft.com/office/drawing/2014/main" id="{BA968C29-B713-4892-92CE-8294628579CD}"/>
+                <a16:creationId xmlns:a16="http://schemas.microsoft.com/office/drawing/2014/main" xmlns="" id="{BA968C29-B713-4892-92CE-8294628579CD}"/>
               </a:ext>
             </a:extLst>
           </p:cNvPr>
@@ -8297,7 +8288,7 @@
           <p:cNvPr id="4" name="Slide Number Placeholder 3">
             <a:extLst>
               <a:ext uri="{FF2B5EF4-FFF2-40B4-BE49-F238E27FC236}">
-                <a16:creationId xmlns:a16="http://schemas.microsoft.com/office/drawing/2014/main" id="{A03CE3B7-1300-48D1-AD93-BA715B720D62}"/>
+                <a16:creationId xmlns:a16="http://schemas.microsoft.com/office/drawing/2014/main" xmlns="" id="{A03CE3B7-1300-48D1-AD93-BA715B720D62}"/>
               </a:ext>
             </a:extLst>
           </p:cNvPr>
@@ -8460,7 +8451,7 @@
           <p:cNvPr id="4" name="Slide Number Placeholder 3">
             <a:extLst>
               <a:ext uri="{FF2B5EF4-FFF2-40B4-BE49-F238E27FC236}">
-                <a16:creationId xmlns:a16="http://schemas.microsoft.com/office/drawing/2014/main" id="{93DD6A1C-359D-445A-95C7-A6EBF3861BF3}"/>
+                <a16:creationId xmlns:a16="http://schemas.microsoft.com/office/drawing/2014/main" xmlns="" id="{93DD6A1C-359D-445A-95C7-A6EBF3861BF3}"/>
               </a:ext>
             </a:extLst>
           </p:cNvPr>
@@ -8571,7 +8562,7 @@
           <p:cNvPr id="3" name="Slide Number Placeholder 2">
             <a:extLst>
               <a:ext uri="{FF2B5EF4-FFF2-40B4-BE49-F238E27FC236}">
-                <a16:creationId xmlns:a16="http://schemas.microsoft.com/office/drawing/2014/main" id="{CD9FC535-3B1A-4FF4-8E6B-333D6E62B92E}"/>
+                <a16:creationId xmlns:a16="http://schemas.microsoft.com/office/drawing/2014/main" xmlns="" id="{CD9FC535-3B1A-4FF4-8E6B-333D6E62B92E}"/>
               </a:ext>
             </a:extLst>
           </p:cNvPr>
@@ -8723,7 +8714,7 @@
           <p:cNvPr id="4" name="Slide Number Placeholder 3">
             <a:extLst>
               <a:ext uri="{FF2B5EF4-FFF2-40B4-BE49-F238E27FC236}">
-                <a16:creationId xmlns:a16="http://schemas.microsoft.com/office/drawing/2014/main" id="{AAF34BBE-0DCA-40C9-8363-42C5AC4A0594}"/>
+                <a16:creationId xmlns:a16="http://schemas.microsoft.com/office/drawing/2014/main" xmlns="" id="{AAF34BBE-0DCA-40C9-8363-42C5AC4A0594}"/>
               </a:ext>
             </a:extLst>
           </p:cNvPr>
@@ -8886,7 +8877,7 @@
           <p:cNvPr id="4" name="Slide Number Placeholder 3">
             <a:extLst>
               <a:ext uri="{FF2B5EF4-FFF2-40B4-BE49-F238E27FC236}">
-                <a16:creationId xmlns:a16="http://schemas.microsoft.com/office/drawing/2014/main" id="{07B969EA-E8D6-4540-A905-277102DE4494}"/>
+                <a16:creationId xmlns:a16="http://schemas.microsoft.com/office/drawing/2014/main" xmlns="" id="{07B969EA-E8D6-4540-A905-277102DE4494}"/>
               </a:ext>
             </a:extLst>
           </p:cNvPr>
@@ -9035,7 +9026,7 @@
           <p:cNvPr id="4" name="Slide Number Placeholder 3">
             <a:extLst>
               <a:ext uri="{FF2B5EF4-FFF2-40B4-BE49-F238E27FC236}">
-                <a16:creationId xmlns:a16="http://schemas.microsoft.com/office/drawing/2014/main" id="{3FD0E81A-BA10-4DC5-BF6E-81C94013DDB3}"/>
+                <a16:creationId xmlns:a16="http://schemas.microsoft.com/office/drawing/2014/main" xmlns="" id="{3FD0E81A-BA10-4DC5-BF6E-81C94013DDB3}"/>
               </a:ext>
             </a:extLst>
           </p:cNvPr>
@@ -9182,7 +9173,7 @@
           <p:cNvPr id="4" name="Slide Number Placeholder 3">
             <a:extLst>
               <a:ext uri="{FF2B5EF4-FFF2-40B4-BE49-F238E27FC236}">
-                <a16:creationId xmlns:a16="http://schemas.microsoft.com/office/drawing/2014/main" id="{96A62692-D775-47BF-ADC3-2EBD21ED818E}"/>
+                <a16:creationId xmlns:a16="http://schemas.microsoft.com/office/drawing/2014/main" xmlns="" id="{96A62692-D775-47BF-ADC3-2EBD21ED818E}"/>
               </a:ext>
             </a:extLst>
           </p:cNvPr>
@@ -9341,7 +9332,7 @@
           <p:cNvPr id="4" name="Slide Number Placeholder 3">
             <a:extLst>
               <a:ext uri="{FF2B5EF4-FFF2-40B4-BE49-F238E27FC236}">
-                <a16:creationId xmlns:a16="http://schemas.microsoft.com/office/drawing/2014/main" id="{43D2B451-805E-4B84-8999-1ED10D8B7C26}"/>
+                <a16:creationId xmlns:a16="http://schemas.microsoft.com/office/drawing/2014/main" xmlns="" id="{43D2B451-805E-4B84-8999-1ED10D8B7C26}"/>
               </a:ext>
             </a:extLst>
           </p:cNvPr>
@@ -9471,7 +9462,7 @@
           <p:cNvPr id="4" name="Slide Number Placeholder 3">
             <a:extLst>
               <a:ext uri="{FF2B5EF4-FFF2-40B4-BE49-F238E27FC236}">
-                <a16:creationId xmlns:a16="http://schemas.microsoft.com/office/drawing/2014/main" id="{3CA5F367-DFAD-4FF9-AB51-2BD05F7ADAFB}"/>
+                <a16:creationId xmlns:a16="http://schemas.microsoft.com/office/drawing/2014/main" xmlns="" id="{3CA5F367-DFAD-4FF9-AB51-2BD05F7ADAFB}"/>
               </a:ext>
             </a:extLst>
           </p:cNvPr>
@@ -9530,7 +9521,7 @@
           <p:cNvPr id="2" name="Title 1">
             <a:extLst>
               <a:ext uri="{FF2B5EF4-FFF2-40B4-BE49-F238E27FC236}">
-                <a16:creationId xmlns:a16="http://schemas.microsoft.com/office/drawing/2014/main" id="{99098078-1066-49DB-825B-49B128802BF3}"/>
+                <a16:creationId xmlns:a16="http://schemas.microsoft.com/office/drawing/2014/main" xmlns="" id="{99098078-1066-49DB-825B-49B128802BF3}"/>
               </a:ext>
             </a:extLst>
           </p:cNvPr>
@@ -9558,7 +9549,7 @@
           <p:cNvPr id="4" name="Picture 3">
             <a:extLst>
               <a:ext uri="{FF2B5EF4-FFF2-40B4-BE49-F238E27FC236}">
-                <a16:creationId xmlns:a16="http://schemas.microsoft.com/office/drawing/2014/main" id="{5F386289-6007-41DD-941D-EC0E09A9518E}"/>
+                <a16:creationId xmlns:a16="http://schemas.microsoft.com/office/drawing/2014/main" xmlns="" id="{5F386289-6007-41DD-941D-EC0E09A9518E}"/>
               </a:ext>
             </a:extLst>
           </p:cNvPr>
@@ -9588,7 +9579,7 @@
           <p:cNvPr id="5" name="Picture 4">
             <a:extLst>
               <a:ext uri="{FF2B5EF4-FFF2-40B4-BE49-F238E27FC236}">
-                <a16:creationId xmlns:a16="http://schemas.microsoft.com/office/drawing/2014/main" id="{328543B5-9609-4C1D-BEA1-FFF0C49F203C}"/>
+                <a16:creationId xmlns:a16="http://schemas.microsoft.com/office/drawing/2014/main" xmlns="" id="{328543B5-9609-4C1D-BEA1-FFF0C49F203C}"/>
               </a:ext>
             </a:extLst>
           </p:cNvPr>
@@ -9618,7 +9609,7 @@
           <p:cNvPr id="3" name="Slide Number Placeholder 2">
             <a:extLst>
               <a:ext uri="{FF2B5EF4-FFF2-40B4-BE49-F238E27FC236}">
-                <a16:creationId xmlns:a16="http://schemas.microsoft.com/office/drawing/2014/main" id="{FD3D8842-C9F3-4AD1-BECF-B2DD17DE51F3}"/>
+                <a16:creationId xmlns:a16="http://schemas.microsoft.com/office/drawing/2014/main" xmlns="" id="{FD3D8842-C9F3-4AD1-BECF-B2DD17DE51F3}"/>
               </a:ext>
             </a:extLst>
           </p:cNvPr>
@@ -9677,7 +9668,7 @@
           <p:cNvPr id="2" name="Title 1">
             <a:extLst>
               <a:ext uri="{FF2B5EF4-FFF2-40B4-BE49-F238E27FC236}">
-                <a16:creationId xmlns:a16="http://schemas.microsoft.com/office/drawing/2014/main" id="{8631AE1D-709F-41C6-85A7-35EE0002EB46}"/>
+                <a16:creationId xmlns:a16="http://schemas.microsoft.com/office/drawing/2014/main" xmlns="" id="{8631AE1D-709F-41C6-85A7-35EE0002EB46}"/>
               </a:ext>
             </a:extLst>
           </p:cNvPr>
@@ -9705,7 +9696,7 @@
           <p:cNvPr id="4" name="Picture 3">
             <a:extLst>
               <a:ext uri="{FF2B5EF4-FFF2-40B4-BE49-F238E27FC236}">
-                <a16:creationId xmlns:a16="http://schemas.microsoft.com/office/drawing/2014/main" id="{826A28F5-27A5-4D73-95AF-13797AFD536A}"/>
+                <a16:creationId xmlns:a16="http://schemas.microsoft.com/office/drawing/2014/main" xmlns="" id="{826A28F5-27A5-4D73-95AF-13797AFD536A}"/>
               </a:ext>
             </a:extLst>
           </p:cNvPr>
@@ -9735,7 +9726,7 @@
           <p:cNvPr id="3" name="Slide Number Placeholder 2">
             <a:extLst>
               <a:ext uri="{FF2B5EF4-FFF2-40B4-BE49-F238E27FC236}">
-                <a16:creationId xmlns:a16="http://schemas.microsoft.com/office/drawing/2014/main" id="{061465BC-3A2D-4955-B2AC-5BB86424403B}"/>
+                <a16:creationId xmlns:a16="http://schemas.microsoft.com/office/drawing/2014/main" xmlns="" id="{061465BC-3A2D-4955-B2AC-5BB86424403B}"/>
               </a:ext>
             </a:extLst>
           </p:cNvPr>
@@ -9794,7 +9785,7 @@
           <p:cNvPr id="2" name="Title 1">
             <a:extLst>
               <a:ext uri="{FF2B5EF4-FFF2-40B4-BE49-F238E27FC236}">
-                <a16:creationId xmlns:a16="http://schemas.microsoft.com/office/drawing/2014/main" id="{A65AAC6E-9F92-4014-8516-F78F90BFE844}"/>
+                <a16:creationId xmlns:a16="http://schemas.microsoft.com/office/drawing/2014/main" xmlns="" id="{A65AAC6E-9F92-4014-8516-F78F90BFE844}"/>
               </a:ext>
             </a:extLst>
           </p:cNvPr>
@@ -9822,7 +9813,7 @@
           <p:cNvPr id="4" name="Picture 3">
             <a:extLst>
               <a:ext uri="{FF2B5EF4-FFF2-40B4-BE49-F238E27FC236}">
-                <a16:creationId xmlns:a16="http://schemas.microsoft.com/office/drawing/2014/main" id="{6689817B-FDDD-452A-B01E-1CC2F495889D}"/>
+                <a16:creationId xmlns:a16="http://schemas.microsoft.com/office/drawing/2014/main" xmlns="" id="{6689817B-FDDD-452A-B01E-1CC2F495889D}"/>
               </a:ext>
             </a:extLst>
           </p:cNvPr>
@@ -9852,7 +9843,7 @@
           <p:cNvPr id="3" name="Slide Number Placeholder 2">
             <a:extLst>
               <a:ext uri="{FF2B5EF4-FFF2-40B4-BE49-F238E27FC236}">
-                <a16:creationId xmlns:a16="http://schemas.microsoft.com/office/drawing/2014/main" id="{49E69225-131F-42DC-8EC4-74EBF28BBE94}"/>
+                <a16:creationId xmlns:a16="http://schemas.microsoft.com/office/drawing/2014/main" xmlns="" id="{49E69225-131F-42DC-8EC4-74EBF28BBE94}"/>
               </a:ext>
             </a:extLst>
           </p:cNvPr>
@@ -9979,7 +9970,7 @@
           <p:cNvPr id="4" name="Slide Number Placeholder 3">
             <a:extLst>
               <a:ext uri="{FF2B5EF4-FFF2-40B4-BE49-F238E27FC236}">
-                <a16:creationId xmlns:a16="http://schemas.microsoft.com/office/drawing/2014/main" id="{0127565B-6C89-4D12-8EBD-5A7442511DEF}"/>
+                <a16:creationId xmlns:a16="http://schemas.microsoft.com/office/drawing/2014/main" xmlns="" id="{0127565B-6C89-4D12-8EBD-5A7442511DEF}"/>
               </a:ext>
             </a:extLst>
           </p:cNvPr>
